--- a/MV.pptx
+++ b/MV.pptx
@@ -5935,7 +5935,6 @@
               <a:rPr lang="es-GT" b="1" dirty="0" smtClean="0"/>
               <a:t>   </a:t>
             </a:r>
-            <a:endParaRPr lang="es-GT" b="1" dirty="0" smtClean="0"/>
           </a:p>
           <a:p>
             <a:pPr marL="0" indent="0" algn="ctr">
@@ -5947,7 +5946,7 @@
             </a:r>
             <a:r>
               <a:rPr lang="es-GT" dirty="0" smtClean="0"/>
-              <a:t>GIT:</a:t>
+              <a:t>GIT.</a:t>
             </a:r>
           </a:p>
           <a:p>
@@ -5955,17 +5954,46 @@
               <a:buNone/>
             </a:pPr>
             <a:r>
-              <a:rPr lang="es-GT" dirty="0" err="1" smtClean="0"/>
-              <a:t>Git</a:t>
-            </a:r>
-            <a:r>
-              <a:rPr lang="es-GT" dirty="0" smtClean="0"/>
+              <a:rPr lang="es-GT" b="1" dirty="0" err="1"/>
+              <a:t>git</a:t>
+            </a:r>
+            <a:r>
+              <a:rPr lang="es-GT" b="1" dirty="0"/>
               <a:t> </a:t>
             </a:r>
             <a:r>
-              <a:rPr lang="es-GT" dirty="0" err="1" smtClean="0"/>
-              <a:t>init</a:t>
-            </a:r>
+              <a:rPr lang="es-GT" b="1" dirty="0" err="1"/>
+              <a:t>add</a:t>
+            </a:r>
+            <a:r>
+              <a:rPr lang="es-GT" dirty="0"/>
+              <a:t/>
+            </a:r>
+            <a:br>
+              <a:rPr lang="es-GT" dirty="0"/>
+            </a:br>
+            <a:r>
+              <a:rPr lang="es-GT" dirty="0"/>
+              <a:t>Este comando puede ser usado para agregar archivos al </a:t>
+            </a:r>
+            <a:r>
+              <a:rPr lang="es-GT" dirty="0" err="1"/>
+              <a:t>index</a:t>
+            </a:r>
+            <a:r>
+              <a:rPr lang="es-GT" dirty="0"/>
+              <a:t>. Por ejemplo, el siguiente comando agrega un nombre de archivo temp.txt en el directorio local del </a:t>
+            </a:r>
+            <a:r>
+              <a:rPr lang="es-GT" dirty="0" err="1"/>
+              <a:t>index</a:t>
+            </a:r>
+            <a:endParaRPr lang="es-GT" dirty="0"/>
+          </a:p>
+          <a:p>
+            <a:pPr marL="0" indent="0" algn="ctr">
+              <a:buNone/>
+            </a:pPr>
             <a:endParaRPr lang="es-GT" dirty="0" smtClean="0"/>
           </a:p>
         </p:txBody>
@@ -6015,29 +6043,40 @@
           <a:bodyPr/>
           <a:lstStyle/>
           <a:p>
+            <a:r>
+              <a:rPr lang="es-GT" dirty="0" smtClean="0"/>
+              <a:t>Versión 1</a:t>
+            </a:r>
             <a:endParaRPr lang="es-GT" dirty="0"/>
           </a:p>
         </p:txBody>
       </p:sp>
-      <p:sp>
-        <p:nvSpPr>
-          <p:cNvPr id="3" name="Marcador de contenido 2"/>
-          <p:cNvSpPr>
-            <a:spLocks noGrp="1"/>
-          </p:cNvSpPr>
+      <p:pic>
+        <p:nvPicPr>
+          <p:cNvPr id="4" name="Marcador de contenido 3"/>
+          <p:cNvPicPr>
+            <a:picLocks noGrp="1" noChangeAspect="1"/>
+          </p:cNvPicPr>
           <p:nvPr>
             <p:ph idx="1"/>
           </p:nvPr>
-        </p:nvSpPr>
-        <p:spPr/>
-        <p:txBody>
-          <a:bodyPr/>
-          <a:lstStyle/>
-          <a:p>
-            <a:endParaRPr lang="es-GT" dirty="0"/>
-          </a:p>
-        </p:txBody>
-      </p:sp>
+        </p:nvPicPr>
+        <p:blipFill>
+          <a:blip r:embed="rId2"/>
+          <a:stretch>
+            <a:fillRect/>
+          </a:stretch>
+        </p:blipFill>
+        <p:spPr>
+          <a:xfrm>
+            <a:off x="1524168" y="2160588"/>
+            <a:ext cx="6903701" cy="3881437"/>
+          </a:xfrm>
+          <a:prstGeom prst="rect">
+            <a:avLst/>
+          </a:prstGeom>
+        </p:spPr>
+      </p:pic>
     </p:spTree>
     <p:extLst>
       <p:ext uri="{BB962C8B-B14F-4D97-AF65-F5344CB8AC3E}">

--- a/MV.pptx
+++ b/MV.pptx
@@ -5985,8 +5985,41 @@
               <a:t>. Por ejemplo, el siguiente comando agrega un nombre de archivo temp.txt en el directorio local del </a:t>
             </a:r>
             <a:r>
-              <a:rPr lang="es-GT" dirty="0" err="1"/>
+              <a:rPr lang="es-GT" dirty="0" err="1" smtClean="0"/>
               <a:t>index</a:t>
+            </a:r>
+            <a:endParaRPr lang="es-GT" dirty="0" smtClean="0"/>
+          </a:p>
+          <a:p>
+            <a:pPr marL="0" indent="0" algn="ctr">
+              <a:buNone/>
+            </a:pPr>
+            <a:r>
+              <a:rPr lang="es-GT" b="1" dirty="0" err="1"/>
+              <a:t>git</a:t>
+            </a:r>
+            <a:r>
+              <a:rPr lang="es-GT" b="1" dirty="0"/>
+              <a:t> clone</a:t>
+            </a:r>
+            <a:r>
+              <a:rPr lang="es-GT" dirty="0"/>
+              <a:t/>
+            </a:r>
+            <a:br>
+              <a:rPr lang="es-GT" dirty="0"/>
+            </a:br>
+            <a:r>
+              <a:rPr lang="es-GT" dirty="0"/>
+              <a:t>Este comando se usa con el propósito de revisar repertorios. Si el repertorio está en un servidor remoto se tiene que usar el </a:t>
+            </a:r>
+            <a:r>
+              <a:rPr lang="es-GT"/>
+              <a:t>siguiente </a:t>
+            </a:r>
+            <a:r>
+              <a:rPr lang="es-GT" smtClean="0"/>
+              <a:t>comando.</a:t>
             </a:r>
             <a:endParaRPr lang="es-GT" dirty="0"/>
           </a:p>
@@ -6070,7 +6103,7 @@
         <p:spPr>
           <a:xfrm>
             <a:off x="1524168" y="2160588"/>
-            <a:ext cx="6903701" cy="3881437"/>
+            <a:ext cx="6653917" cy="3881437"/>
           </a:xfrm>
           <a:prstGeom prst="rect">
             <a:avLst/>
@@ -6122,29 +6155,40 @@
           <a:bodyPr/>
           <a:lstStyle/>
           <a:p>
+            <a:r>
+              <a:rPr lang="es-GT" dirty="0" smtClean="0"/>
+              <a:t>Versión 2 y 3</a:t>
+            </a:r>
             <a:endParaRPr lang="es-GT" dirty="0"/>
           </a:p>
         </p:txBody>
       </p:sp>
-      <p:sp>
-        <p:nvSpPr>
-          <p:cNvPr id="3" name="Marcador de contenido 2"/>
-          <p:cNvSpPr>
-            <a:spLocks noGrp="1"/>
-          </p:cNvSpPr>
+      <p:pic>
+        <p:nvPicPr>
+          <p:cNvPr id="6" name="Marcador de contenido 5"/>
+          <p:cNvPicPr>
+            <a:picLocks noGrp="1" noChangeAspect="1"/>
+          </p:cNvPicPr>
           <p:nvPr>
             <p:ph idx="1"/>
           </p:nvPr>
-        </p:nvSpPr>
-        <p:spPr/>
-        <p:txBody>
-          <a:bodyPr/>
-          <a:lstStyle/>
-          <a:p>
-            <a:endParaRPr lang="es-GT" dirty="0"/>
-          </a:p>
-        </p:txBody>
-      </p:sp>
+        </p:nvPicPr>
+        <p:blipFill>
+          <a:blip r:embed="rId2"/>
+          <a:stretch>
+            <a:fillRect/>
+          </a:stretch>
+        </p:blipFill>
+        <p:spPr>
+          <a:xfrm>
+            <a:off x="858133" y="1930400"/>
+            <a:ext cx="4679782" cy="3076575"/>
+          </a:xfrm>
+          <a:prstGeom prst="rect">
+            <a:avLst/>
+          </a:prstGeom>
+        </p:spPr>
+      </p:pic>
     </p:spTree>
     <p:extLst>
       <p:ext uri="{BB962C8B-B14F-4D97-AF65-F5344CB8AC3E}">
